--- a/speaker-poster/ppt/Suman Chakraborty.pptx
+++ b/speaker-poster/ppt/Suman Chakraborty.pptx
@@ -261,7 +261,7 @@
           <a:p>
             <a:fld id="{4734258E-F4BA-40A9-ADC0-291CE1545D60}" type="datetimeFigureOut">
               <a:rPr lang="en-IN" smtClean="0"/>
-              <a:t>22-08-2021</a:t>
+              <a:t>24-08-2021</a:t>
             </a:fld>
             <a:endParaRPr lang="en-IN"/>
           </a:p>
@@ -461,7 +461,7 @@
           <a:p>
             <a:fld id="{4734258E-F4BA-40A9-ADC0-291CE1545D60}" type="datetimeFigureOut">
               <a:rPr lang="en-IN" smtClean="0"/>
-              <a:t>22-08-2021</a:t>
+              <a:t>24-08-2021</a:t>
             </a:fld>
             <a:endParaRPr lang="en-IN"/>
           </a:p>
@@ -671,7 +671,7 @@
           <a:p>
             <a:fld id="{4734258E-F4BA-40A9-ADC0-291CE1545D60}" type="datetimeFigureOut">
               <a:rPr lang="en-IN" smtClean="0"/>
-              <a:t>22-08-2021</a:t>
+              <a:t>24-08-2021</a:t>
             </a:fld>
             <a:endParaRPr lang="en-IN"/>
           </a:p>
@@ -871,7 +871,7 @@
           <a:p>
             <a:fld id="{4734258E-F4BA-40A9-ADC0-291CE1545D60}" type="datetimeFigureOut">
               <a:rPr lang="en-IN" smtClean="0"/>
-              <a:t>22-08-2021</a:t>
+              <a:t>24-08-2021</a:t>
             </a:fld>
             <a:endParaRPr lang="en-IN"/>
           </a:p>
@@ -1147,7 +1147,7 @@
           <a:p>
             <a:fld id="{4734258E-F4BA-40A9-ADC0-291CE1545D60}" type="datetimeFigureOut">
               <a:rPr lang="en-IN" smtClean="0"/>
-              <a:t>22-08-2021</a:t>
+              <a:t>24-08-2021</a:t>
             </a:fld>
             <a:endParaRPr lang="en-IN"/>
           </a:p>
@@ -1415,7 +1415,7 @@
           <a:p>
             <a:fld id="{4734258E-F4BA-40A9-ADC0-291CE1545D60}" type="datetimeFigureOut">
               <a:rPr lang="en-IN" smtClean="0"/>
-              <a:t>22-08-2021</a:t>
+              <a:t>24-08-2021</a:t>
             </a:fld>
             <a:endParaRPr lang="en-IN"/>
           </a:p>
@@ -1830,7 +1830,7 @@
           <a:p>
             <a:fld id="{4734258E-F4BA-40A9-ADC0-291CE1545D60}" type="datetimeFigureOut">
               <a:rPr lang="en-IN" smtClean="0"/>
-              <a:t>22-08-2021</a:t>
+              <a:t>24-08-2021</a:t>
             </a:fld>
             <a:endParaRPr lang="en-IN"/>
           </a:p>
@@ -1972,7 +1972,7 @@
           <a:p>
             <a:fld id="{4734258E-F4BA-40A9-ADC0-291CE1545D60}" type="datetimeFigureOut">
               <a:rPr lang="en-IN" smtClean="0"/>
-              <a:t>22-08-2021</a:t>
+              <a:t>24-08-2021</a:t>
             </a:fld>
             <a:endParaRPr lang="en-IN"/>
           </a:p>
@@ -2085,7 +2085,7 @@
           <a:p>
             <a:fld id="{4734258E-F4BA-40A9-ADC0-291CE1545D60}" type="datetimeFigureOut">
               <a:rPr lang="en-IN" smtClean="0"/>
-              <a:t>22-08-2021</a:t>
+              <a:t>24-08-2021</a:t>
             </a:fld>
             <a:endParaRPr lang="en-IN"/>
           </a:p>
@@ -2398,7 +2398,7 @@
           <a:p>
             <a:fld id="{4734258E-F4BA-40A9-ADC0-291CE1545D60}" type="datetimeFigureOut">
               <a:rPr lang="en-IN" smtClean="0"/>
-              <a:t>22-08-2021</a:t>
+              <a:t>24-08-2021</a:t>
             </a:fld>
             <a:endParaRPr lang="en-IN"/>
           </a:p>
@@ -2687,7 +2687,7 @@
           <a:p>
             <a:fld id="{4734258E-F4BA-40A9-ADC0-291CE1545D60}" type="datetimeFigureOut">
               <a:rPr lang="en-IN" smtClean="0"/>
-              <a:t>22-08-2021</a:t>
+              <a:t>24-08-2021</a:t>
             </a:fld>
             <a:endParaRPr lang="en-IN"/>
           </a:p>
@@ -2930,7 +2930,7 @@
           <a:p>
             <a:fld id="{4734258E-F4BA-40A9-ADC0-291CE1545D60}" type="datetimeFigureOut">
               <a:rPr lang="en-IN" smtClean="0"/>
-              <a:t>22-08-2021</a:t>
+              <a:t>24-08-2021</a:t>
             </a:fld>
             <a:endParaRPr lang="en-IN"/>
           </a:p>
@@ -4065,12 +4065,12 @@
   <p:clrMapOvr>
     <a:masterClrMapping/>
   </p:clrMapOvr>
-  <mc:AlternateContent xmlns:mc="http://schemas.openxmlformats.org/markup-compatibility/2006" xmlns:p14="http://schemas.microsoft.com/office/powerpoint/2010/main">
-    <mc:Choice Requires="p14">
-      <p:transition spd="slow" p14:dur="2000" advTm="470"/>
+  <mc:AlternateContent xmlns:mc="http://schemas.openxmlformats.org/markup-compatibility/2006">
+    <mc:Choice xmlns:p14="http://schemas.microsoft.com/office/powerpoint/2010/main" Requires="p14">
+      <p:transition spd="slow" p14:dur="2000" advTm="3568"/>
     </mc:Choice>
-    <mc:Fallback xmlns="">
-      <p:transition spd="slow" advTm="470"/>
+    <mc:Fallback>
+      <p:transition spd="slow" advTm="3568"/>
     </mc:Fallback>
   </mc:AlternateContent>
 </p:sld>
